--- a/materials/slides/1.pptx
+++ b/materials/slides/1.pptx
@@ -181,7 +181,7 @@
   </p:defaultTextStyle>
   <p:extLst>
     <p:ext uri="{EFAFB233-063F-42B5-8137-9DF3F51BA10A}">
-      <p15:sldGuideLst xmlns:p15="http://schemas.microsoft.com/office/powerpoint/2012/main">
+      <p15:sldGuideLst xmlns:p15="http://schemas.microsoft.com/office/powerpoint/2012/main" xmlns="">
         <p15:guide id="1" orient="horz" pos="2160" userDrawn="1">
           <p15:clr>
             <a:srgbClr val="A4A3A4"/>
@@ -195,7 +195,7 @@
       </p15:sldGuideLst>
     </p:ext>
     <p:ext uri="{2D200454-40CA-4A62-9FC3-DE9A4176ACB9}">
-      <p15:notesGuideLst xmlns:p15="http://schemas.microsoft.com/office/powerpoint/2012/main">
+      <p15:notesGuideLst xmlns:p15="http://schemas.microsoft.com/office/powerpoint/2012/main" xmlns="">
         <p15:guide id="1" orient="horz" pos="2880">
           <p15:clr>
             <a:srgbClr val="A4A3A4"/>
@@ -18049,8 +18049,16 @@
               <a:t>占</a:t>
             </a:r>
             <a:r>
+              <a:rPr lang="en-US" altLang="zh-CN" dirty="0"/>
+              <a:t>4</a:t>
+            </a:r>
+            <a:r>
               <a:rPr lang="en-US" altLang="zh-CN" dirty="0" smtClean="0"/>
-              <a:t>70%</a:t>
+              <a:t>0</a:t>
+            </a:r>
+            <a:r>
+              <a:rPr lang="en-US" altLang="zh-CN" dirty="0" smtClean="0"/>
+              <a:t>%</a:t>
             </a:r>
           </a:p>
           <a:p>
@@ -18064,8 +18072,16 @@
               <a:t>的</a:t>
             </a:r>
             <a:r>
+              <a:rPr lang="en-US" altLang="zh-CN" dirty="0"/>
+              <a:t>6</a:t>
+            </a:r>
+            <a:r>
               <a:rPr lang="en-US" altLang="zh-CN" dirty="0" smtClean="0"/>
-              <a:t>30%</a:t>
+              <a:t>0</a:t>
+            </a:r>
+            <a:r>
+              <a:rPr lang="en-US" altLang="zh-CN" dirty="0" smtClean="0"/>
+              <a:t>%</a:t>
             </a:r>
             <a:r>
               <a:rPr lang="zh-CN" altLang="en-US" dirty="0" smtClean="0"/>
